--- a/Documentation/KDM Presentation final.pptx
+++ b/Documentation/KDM Presentation final.pptx
@@ -6724,7 +6724,7 @@
         </p:nvSpPr>
         <p:spPr>
           <a:xfrm>
-            <a:off x="8602520" y="4351283"/>
+            <a:off x="8516795" y="4189358"/>
             <a:ext cx="8534400" cy="1944413"/>
           </a:xfrm>
         </p:spPr>
@@ -6843,12 +6843,15 @@
               </a:rPr>
               <a:t>RanjithaReddy</a:t>
             </a:r>
-            <a:endParaRPr lang="en-US" sz="2000" dirty="0">
-              <a:solidFill>
-                <a:schemeClr val="tx1"/>
-              </a:solidFill>
-              <a:latin typeface="+mn-lt"/>
-            </a:endParaRPr>
+            <a:r>
+              <a:rPr lang="en-US" sz="2000" dirty="0">
+                <a:solidFill>
+                  <a:schemeClr val="tx1"/>
+                </a:solidFill>
+                <a:latin typeface="+mn-lt"/>
+              </a:rPr>
+              <a:t>(04) </a:t>
+            </a:r>
           </a:p>
           <a:p>
             <a:pPr algn="l"/>
@@ -6870,12 +6873,15 @@
               </a:rPr>
               <a:t>Bandam</a:t>
             </a:r>
-            <a:endParaRPr lang="en-US" sz="2000" dirty="0">
-              <a:solidFill>
-                <a:schemeClr val="tx1"/>
-              </a:solidFill>
-              <a:latin typeface="+mn-lt"/>
-            </a:endParaRPr>
+            <a:r>
+              <a:rPr lang="en-US" sz="2000" dirty="0">
+                <a:solidFill>
+                  <a:schemeClr val="tx1"/>
+                </a:solidFill>
+                <a:latin typeface="+mn-lt"/>
+              </a:rPr>
+              <a:t>(02)</a:t>
+            </a:r>
           </a:p>
           <a:p>
             <a:pPr algn="l"/>
@@ -7599,6 +7605,384 @@
   <p:clrMapOvr>
     <a:masterClrMapping/>
   </p:clrMapOvr>
+  <p:timing>
+    <p:tnLst>
+      <p:par>
+        <p:cTn id="1" dur="indefinite" restart="never" nodeType="tmRoot">
+          <p:childTnLst>
+            <p:seq concurrent="1" nextAc="seek">
+              <p:cTn id="2" dur="indefinite" nodeType="mainSeq">
+                <p:childTnLst>
+                  <p:par>
+                    <p:cTn id="3" fill="hold">
+                      <p:stCondLst>
+                        <p:cond delay="indefinite"/>
+                      </p:stCondLst>
+                      <p:childTnLst>
+                        <p:par>
+                          <p:cTn id="4" fill="hold">
+                            <p:stCondLst>
+                              <p:cond delay="0"/>
+                            </p:stCondLst>
+                            <p:childTnLst>
+                              <p:par>
+                                <p:cTn id="5" presetID="26" presetClass="entr" presetSubtype="0" fill="hold" grpId="0" nodeType="clickEffect">
+                                  <p:stCondLst>
+                                    <p:cond delay="0"/>
+                                  </p:stCondLst>
+                                  <p:childTnLst>
+                                    <p:set>
+                                      <p:cBhvr>
+                                        <p:cTn id="6" dur="1" fill="hold">
+                                          <p:stCondLst>
+                                            <p:cond delay="0"/>
+                                          </p:stCondLst>
+                                        </p:cTn>
+                                        <p:tgtEl>
+                                          <p:spTgt spid="4"/>
+                                        </p:tgtEl>
+                                        <p:attrNameLst>
+                                          <p:attrName>style.visibility</p:attrName>
+                                        </p:attrNameLst>
+                                      </p:cBhvr>
+                                      <p:to>
+                                        <p:strVal val="visible"/>
+                                      </p:to>
+                                    </p:set>
+                                    <p:animEffect transition="in" filter="wipe(down)">
+                                      <p:cBhvr>
+                                        <p:cTn id="7" dur="580">
+                                          <p:stCondLst>
+                                            <p:cond delay="0"/>
+                                          </p:stCondLst>
+                                        </p:cTn>
+                                        <p:tgtEl>
+                                          <p:spTgt spid="4"/>
+                                        </p:tgtEl>
+                                      </p:cBhvr>
+                                    </p:animEffect>
+                                    <p:anim calcmode="lin" valueType="num">
+                                      <p:cBhvr>
+                                        <p:cTn id="8" dur="1822" tmFilter="0,0; 0.14,0.36; 0.43,0.73; 0.71,0.91; 1.0,1.0">
+                                          <p:stCondLst>
+                                            <p:cond delay="0"/>
+                                          </p:stCondLst>
+                                        </p:cTn>
+                                        <p:tgtEl>
+                                          <p:spTgt spid="4"/>
+                                        </p:tgtEl>
+                                        <p:attrNameLst>
+                                          <p:attrName>ppt_x</p:attrName>
+                                        </p:attrNameLst>
+                                      </p:cBhvr>
+                                      <p:tavLst>
+                                        <p:tav tm="0">
+                                          <p:val>
+                                            <p:strVal val="#ppt_x-0.25"/>
+                                          </p:val>
+                                        </p:tav>
+                                        <p:tav tm="100000">
+                                          <p:val>
+                                            <p:strVal val="#ppt_x"/>
+                                          </p:val>
+                                        </p:tav>
+                                      </p:tavLst>
+                                    </p:anim>
+                                    <p:anim calcmode="lin" valueType="num">
+                                      <p:cBhvr>
+                                        <p:cTn id="9" dur="664" tmFilter="0.0,0.0; 0.25,0.07; 0.50,0.2; 0.75,0.467; 1.0,1.0">
+                                          <p:stCondLst>
+                                            <p:cond delay="0"/>
+                                          </p:stCondLst>
+                                        </p:cTn>
+                                        <p:tgtEl>
+                                          <p:spTgt spid="4"/>
+                                        </p:tgtEl>
+                                        <p:attrNameLst>
+                                          <p:attrName>ppt_y</p:attrName>
+                                        </p:attrNameLst>
+                                      </p:cBhvr>
+                                      <p:tavLst>
+                                        <p:tav tm="0" fmla="#ppt_y-sin(pi*$)/3">
+                                          <p:val>
+                                            <p:fltVal val="0.5"/>
+                                          </p:val>
+                                        </p:tav>
+                                        <p:tav tm="100000">
+                                          <p:val>
+                                            <p:fltVal val="1"/>
+                                          </p:val>
+                                        </p:tav>
+                                      </p:tavLst>
+                                    </p:anim>
+                                    <p:anim calcmode="lin" valueType="num">
+                                      <p:cBhvr>
+                                        <p:cTn id="10" dur="664" tmFilter="0, 0; 0.125,0.2665; 0.25,0.4; 0.375,0.465; 0.5,0.5;  0.625,0.535; 0.75,0.6; 0.875,0.7335; 1,1">
+                                          <p:stCondLst>
+                                            <p:cond delay="664"/>
+                                          </p:stCondLst>
+                                        </p:cTn>
+                                        <p:tgtEl>
+                                          <p:spTgt spid="4"/>
+                                        </p:tgtEl>
+                                        <p:attrNameLst>
+                                          <p:attrName>ppt_y</p:attrName>
+                                        </p:attrNameLst>
+                                      </p:cBhvr>
+                                      <p:tavLst>
+                                        <p:tav tm="0" fmla="#ppt_y-sin(pi*$)/9">
+                                          <p:val>
+                                            <p:fltVal val="0"/>
+                                          </p:val>
+                                        </p:tav>
+                                        <p:tav tm="100000">
+                                          <p:val>
+                                            <p:fltVal val="1"/>
+                                          </p:val>
+                                        </p:tav>
+                                      </p:tavLst>
+                                    </p:anim>
+                                    <p:anim calcmode="lin" valueType="num">
+                                      <p:cBhvr>
+                                        <p:cTn id="11" dur="332" tmFilter="0, 0; 0.125,0.2665; 0.25,0.4; 0.375,0.465; 0.5,0.5;  0.625,0.535; 0.75,0.6; 0.875,0.7335; 1,1">
+                                          <p:stCondLst>
+                                            <p:cond delay="1324"/>
+                                          </p:stCondLst>
+                                        </p:cTn>
+                                        <p:tgtEl>
+                                          <p:spTgt spid="4"/>
+                                        </p:tgtEl>
+                                        <p:attrNameLst>
+                                          <p:attrName>ppt_y</p:attrName>
+                                        </p:attrNameLst>
+                                      </p:cBhvr>
+                                      <p:tavLst>
+                                        <p:tav tm="0" fmla="#ppt_y-sin(pi*$)/27">
+                                          <p:val>
+                                            <p:fltVal val="0"/>
+                                          </p:val>
+                                        </p:tav>
+                                        <p:tav tm="100000">
+                                          <p:val>
+                                            <p:fltVal val="1"/>
+                                          </p:val>
+                                        </p:tav>
+                                      </p:tavLst>
+                                    </p:anim>
+                                    <p:anim calcmode="lin" valueType="num">
+                                      <p:cBhvr>
+                                        <p:cTn id="12" dur="164" tmFilter="0, 0; 0.125,0.2665; 0.25,0.4; 0.375,0.465; 0.5,0.5;  0.625,0.535; 0.75,0.6; 0.875,0.7335; 1,1">
+                                          <p:stCondLst>
+                                            <p:cond delay="1656"/>
+                                          </p:stCondLst>
+                                        </p:cTn>
+                                        <p:tgtEl>
+                                          <p:spTgt spid="4"/>
+                                        </p:tgtEl>
+                                        <p:attrNameLst>
+                                          <p:attrName>ppt_y</p:attrName>
+                                        </p:attrNameLst>
+                                      </p:cBhvr>
+                                      <p:tavLst>
+                                        <p:tav tm="0" fmla="#ppt_y-sin(pi*$)/81">
+                                          <p:val>
+                                            <p:fltVal val="0"/>
+                                          </p:val>
+                                        </p:tav>
+                                        <p:tav tm="100000">
+                                          <p:val>
+                                            <p:fltVal val="1"/>
+                                          </p:val>
+                                        </p:tav>
+                                      </p:tavLst>
+                                    </p:anim>
+                                    <p:animScale>
+                                      <p:cBhvr>
+                                        <p:cTn id="13" dur="26">
+                                          <p:stCondLst>
+                                            <p:cond delay="650"/>
+                                          </p:stCondLst>
+                                        </p:cTn>
+                                        <p:tgtEl>
+                                          <p:spTgt spid="4"/>
+                                        </p:tgtEl>
+                                      </p:cBhvr>
+                                      <p:to x="100000" y="60000"/>
+                                    </p:animScale>
+                                    <p:animScale>
+                                      <p:cBhvr>
+                                        <p:cTn id="14" dur="166" decel="50000">
+                                          <p:stCondLst>
+                                            <p:cond delay="676"/>
+                                          </p:stCondLst>
+                                        </p:cTn>
+                                        <p:tgtEl>
+                                          <p:spTgt spid="4"/>
+                                        </p:tgtEl>
+                                      </p:cBhvr>
+                                      <p:to x="100000" y="100000"/>
+                                    </p:animScale>
+                                    <p:animScale>
+                                      <p:cBhvr>
+                                        <p:cTn id="15" dur="26">
+                                          <p:stCondLst>
+                                            <p:cond delay="1312"/>
+                                          </p:stCondLst>
+                                        </p:cTn>
+                                        <p:tgtEl>
+                                          <p:spTgt spid="4"/>
+                                        </p:tgtEl>
+                                      </p:cBhvr>
+                                      <p:to x="100000" y="80000"/>
+                                    </p:animScale>
+                                    <p:animScale>
+                                      <p:cBhvr>
+                                        <p:cTn id="16" dur="166" decel="50000">
+                                          <p:stCondLst>
+                                            <p:cond delay="1338"/>
+                                          </p:stCondLst>
+                                        </p:cTn>
+                                        <p:tgtEl>
+                                          <p:spTgt spid="4"/>
+                                        </p:tgtEl>
+                                      </p:cBhvr>
+                                      <p:to x="100000" y="100000"/>
+                                    </p:animScale>
+                                    <p:animScale>
+                                      <p:cBhvr>
+                                        <p:cTn id="17" dur="26">
+                                          <p:stCondLst>
+                                            <p:cond delay="1642"/>
+                                          </p:stCondLst>
+                                        </p:cTn>
+                                        <p:tgtEl>
+                                          <p:spTgt spid="4"/>
+                                        </p:tgtEl>
+                                      </p:cBhvr>
+                                      <p:to x="100000" y="90000"/>
+                                    </p:animScale>
+                                    <p:animScale>
+                                      <p:cBhvr>
+                                        <p:cTn id="18" dur="166" decel="50000">
+                                          <p:stCondLst>
+                                            <p:cond delay="1668"/>
+                                          </p:stCondLst>
+                                        </p:cTn>
+                                        <p:tgtEl>
+                                          <p:spTgt spid="4"/>
+                                        </p:tgtEl>
+                                      </p:cBhvr>
+                                      <p:to x="100000" y="100000"/>
+                                    </p:animScale>
+                                    <p:animScale>
+                                      <p:cBhvr>
+                                        <p:cTn id="19" dur="26">
+                                          <p:stCondLst>
+                                            <p:cond delay="1808"/>
+                                          </p:stCondLst>
+                                        </p:cTn>
+                                        <p:tgtEl>
+                                          <p:spTgt spid="4"/>
+                                        </p:tgtEl>
+                                      </p:cBhvr>
+                                      <p:to x="100000" y="95000"/>
+                                    </p:animScale>
+                                    <p:animScale>
+                                      <p:cBhvr>
+                                        <p:cTn id="20" dur="166" decel="50000">
+                                          <p:stCondLst>
+                                            <p:cond delay="1834"/>
+                                          </p:stCondLst>
+                                        </p:cTn>
+                                        <p:tgtEl>
+                                          <p:spTgt spid="4"/>
+                                        </p:tgtEl>
+                                      </p:cBhvr>
+                                      <p:to x="100000" y="100000"/>
+                                    </p:animScale>
+                                  </p:childTnLst>
+                                </p:cTn>
+                              </p:par>
+                            </p:childTnLst>
+                          </p:cTn>
+                        </p:par>
+                      </p:childTnLst>
+                    </p:cTn>
+                  </p:par>
+                  <p:par>
+                    <p:cTn id="21" fill="hold">
+                      <p:stCondLst>
+                        <p:cond delay="indefinite"/>
+                      </p:stCondLst>
+                      <p:childTnLst>
+                        <p:par>
+                          <p:cTn id="22" fill="hold">
+                            <p:stCondLst>
+                              <p:cond delay="0"/>
+                            </p:stCondLst>
+                            <p:childTnLst>
+                              <p:par>
+                                <p:cTn id="23" presetID="1" presetClass="entr" presetSubtype="0" fill="hold" nodeType="clickEffect">
+                                  <p:stCondLst>
+                                    <p:cond delay="0"/>
+                                  </p:stCondLst>
+                                  <p:childTnLst>
+                                    <p:set>
+                                      <p:cBhvr>
+                                        <p:cTn id="24" dur="1" fill="hold">
+                                          <p:stCondLst>
+                                            <p:cond delay="0"/>
+                                          </p:stCondLst>
+                                        </p:cTn>
+                                        <p:tgtEl>
+                                          <p:spTgt spid="5">
+                                            <p:txEl>
+                                              <p:pRg st="0" end="0"/>
+                                            </p:txEl>
+                                          </p:spTgt>
+                                        </p:tgtEl>
+                                        <p:attrNameLst>
+                                          <p:attrName>style.visibility</p:attrName>
+                                        </p:attrNameLst>
+                                      </p:cBhvr>
+                                      <p:to>
+                                        <p:strVal val="visible"/>
+                                      </p:to>
+                                    </p:set>
+                                  </p:childTnLst>
+                                </p:cTn>
+                              </p:par>
+                            </p:childTnLst>
+                          </p:cTn>
+                        </p:par>
+                      </p:childTnLst>
+                    </p:cTn>
+                  </p:par>
+                </p:childTnLst>
+              </p:cTn>
+              <p:prevCondLst>
+                <p:cond evt="onPrev" delay="0">
+                  <p:tgtEl>
+                    <p:sldTgt/>
+                  </p:tgtEl>
+                </p:cond>
+              </p:prevCondLst>
+              <p:nextCondLst>
+                <p:cond evt="onNext" delay="0">
+                  <p:tgtEl>
+                    <p:sldTgt/>
+                  </p:tgtEl>
+                </p:cond>
+              </p:nextCondLst>
+            </p:seq>
+          </p:childTnLst>
+        </p:cTn>
+      </p:par>
+    </p:tnLst>
+    <p:bldLst>
+      <p:bldP spid="4" grpId="0"/>
+    </p:bldLst>
+  </p:timing>
 </p:sld>
 </file>
 

--- a/Documentation/KDM Presentation final.pptx
+++ b/Documentation/KDM Presentation final.pptx
@@ -6724,7 +6724,7 @@
         </p:nvSpPr>
         <p:spPr>
           <a:xfrm>
-            <a:off x="8516795" y="4189358"/>
+            <a:off x="8412020" y="3903608"/>
             <a:ext cx="8534400" cy="1944413"/>
           </a:xfrm>
         </p:spPr>
@@ -6742,7 +6742,19 @@
                 </a:solidFill>
                 <a:latin typeface="+mj-lt"/>
               </a:rPr>
-              <a:t>PRESENTED BY:</a:t>
+              <a:t>Team 8:</a:t>
+            </a:r>
+          </a:p>
+          <a:p>
+            <a:pPr algn="l"/>
+            <a:r>
+              <a:rPr lang="en-US" sz="2000" b="1" dirty="0">
+                <a:solidFill>
+                  <a:schemeClr val="tx1"/>
+                </a:solidFill>
+                <a:latin typeface="+mj-lt"/>
+              </a:rPr>
+              <a:t>Presented by:</a:t>
             </a:r>
           </a:p>
           <a:p>
@@ -6754,8 +6766,11 @@
                 </a:solidFill>
                 <a:latin typeface="+mn-lt"/>
               </a:rPr>
-              <a:t>Vilas </a:t>
-            </a:r>
+              <a:t>Vilas Mamidyala(18)</a:t>
+            </a:r>
+          </a:p>
+          <a:p>
+            <a:pPr algn="l"/>
             <a:r>
               <a:rPr lang="en-US" sz="2000" dirty="0" err="1">
                 <a:solidFill>
@@ -6763,28 +6778,7 @@
                 </a:solidFill>
                 <a:latin typeface="+mn-lt"/>
               </a:rPr>
-              <a:t>Mamidyala</a:t>
-            </a:r>
-            <a:r>
-              <a:rPr lang="en-US" sz="2000" dirty="0">
-                <a:solidFill>
-                  <a:schemeClr val="tx1"/>
-                </a:solidFill>
-                <a:latin typeface="+mn-lt"/>
-              </a:rPr>
-              <a:t>(18)</a:t>
-            </a:r>
-          </a:p>
-          <a:p>
-            <a:pPr algn="l"/>
-            <a:r>
-              <a:rPr lang="en-US" sz="2000" dirty="0" err="1">
-                <a:solidFill>
-                  <a:schemeClr val="tx1"/>
-                </a:solidFill>
-                <a:latin typeface="+mn-lt"/>
-              </a:rPr>
-              <a:t>Vikas</a:t>
+              <a:t>Vikesh</a:t>
             </a:r>
             <a:r>
               <a:rPr lang="en-US" sz="2000" dirty="0">
